--- a/commun/réunion 9/PPDiFalcoHuygebaert.pptx
+++ b/commun/réunion 9/PPDiFalcoHuygebaert.pptx
@@ -824,7 +824,7 @@
           <a:p>
             <a:fld id="{2B26BA7F-0D4E-4FF5-943E-E601AE8A9A05}" type="datetimeFigureOut">
               <a:rPr lang="fr-BE" smtClean="0"/>
-              <a:t>21-05-21</a:t>
+              <a:t>22-05-21</a:t>
             </a:fld>
             <a:endParaRPr lang="fr-BE"/>
           </a:p>
@@ -1685,7 +1685,7 @@
             <a:fld id="{4EC743F4-8769-40B4-85DF-6CB8DE9F66AA}" type="datetimeFigureOut">
               <a:rPr lang="en-US" smtClean="0"/>
               <a:pPr/>
-              <a:t>5/21/2021</a:t>
+              <a:t>5/22/2021</a:t>
             </a:fld>
             <a:endParaRPr lang="en-US" dirty="0"/>
           </a:p>
@@ -2669,7 +2669,7 @@
             <a:fld id="{4EC743F4-8769-40B4-85DF-6CB8DE9F66AA}" type="datetimeFigureOut">
               <a:rPr lang="en-US" smtClean="0"/>
               <a:pPr/>
-              <a:t>5/21/2021</a:t>
+              <a:t>5/22/2021</a:t>
             </a:fld>
             <a:endParaRPr lang="en-US" dirty="0"/>
           </a:p>
@@ -3541,7 +3541,7 @@
             <a:fld id="{4EC743F4-8769-40B4-85DF-6CB8DE9F66AA}" type="datetimeFigureOut">
               <a:rPr lang="en-US" smtClean="0"/>
               <a:pPr/>
-              <a:t>5/21/2021</a:t>
+              <a:t>5/22/2021</a:t>
             </a:fld>
             <a:endParaRPr lang="en-US" dirty="0"/>
           </a:p>
@@ -4564,7 +4564,7 @@
             <a:fld id="{4EC743F4-8769-40B4-85DF-6CB8DE9F66AA}" type="datetimeFigureOut">
               <a:rPr lang="en-US" smtClean="0"/>
               <a:pPr/>
-              <a:t>5/21/2021</a:t>
+              <a:t>5/22/2021</a:t>
             </a:fld>
             <a:endParaRPr lang="en-US" dirty="0"/>
           </a:p>
@@ -5486,7 +5486,7 @@
             <a:fld id="{4EC743F4-8769-40B4-85DF-6CB8DE9F66AA}" type="datetimeFigureOut">
               <a:rPr lang="en-US" smtClean="0"/>
               <a:pPr/>
-              <a:t>5/21/2021</a:t>
+              <a:t>5/22/2021</a:t>
             </a:fld>
             <a:endParaRPr lang="en-US" dirty="0"/>
           </a:p>
@@ -6144,7 +6144,7 @@
             <a:fld id="{4EC743F4-8769-40B4-85DF-6CB8DE9F66AA}" type="datetimeFigureOut">
               <a:rPr lang="en-US" smtClean="0"/>
               <a:pPr/>
-              <a:t>5/21/2021</a:t>
+              <a:t>5/22/2021</a:t>
             </a:fld>
             <a:endParaRPr lang="en-US" dirty="0"/>
           </a:p>
@@ -7003,7 +7003,7 @@
             <a:fld id="{4EC743F4-8769-40B4-85DF-6CB8DE9F66AA}" type="datetimeFigureOut">
               <a:rPr lang="en-US" smtClean="0"/>
               <a:pPr/>
-              <a:t>5/21/2021</a:t>
+              <a:t>5/22/2021</a:t>
             </a:fld>
             <a:endParaRPr lang="en-US" dirty="0"/>
           </a:p>
@@ -7188,7 +7188,7 @@
             <a:fld id="{4EC743F4-8769-40B4-85DF-6CB8DE9F66AA}" type="datetimeFigureOut">
               <a:rPr lang="en-US" smtClean="0"/>
               <a:pPr/>
-              <a:t>5/21/2021</a:t>
+              <a:t>5/22/2021</a:t>
             </a:fld>
             <a:endParaRPr lang="en-US" dirty="0"/>
           </a:p>
@@ -8047,7 +8047,7 @@
             <a:fld id="{4EC743F4-8769-40B4-85DF-6CB8DE9F66AA}" type="datetimeFigureOut">
               <a:rPr lang="en-US" smtClean="0"/>
               <a:pPr/>
-              <a:t>5/21/2021</a:t>
+              <a:t>5/22/2021</a:t>
             </a:fld>
             <a:endParaRPr lang="en-US" dirty="0"/>
           </a:p>
@@ -8268,7 +8268,7 @@
             <a:fld id="{4EC743F4-8769-40B4-85DF-6CB8DE9F66AA}" type="datetimeFigureOut">
               <a:rPr lang="en-US" smtClean="0"/>
               <a:pPr/>
-              <a:t>5/21/2021</a:t>
+              <a:t>5/22/2021</a:t>
             </a:fld>
             <a:endParaRPr lang="en-US" dirty="0"/>
           </a:p>
@@ -9195,7 +9195,7 @@
             <a:fld id="{4EC743F4-8769-40B4-85DF-6CB8DE9F66AA}" type="datetimeFigureOut">
               <a:rPr lang="en-US" smtClean="0"/>
               <a:pPr/>
-              <a:t>5/21/2021</a:t>
+              <a:t>5/22/2021</a:t>
             </a:fld>
             <a:endParaRPr lang="en-US" dirty="0"/>
           </a:p>
@@ -9481,7 +9481,7 @@
             <a:fld id="{4EC743F4-8769-40B4-85DF-6CB8DE9F66AA}" type="datetimeFigureOut">
               <a:rPr lang="en-US" smtClean="0"/>
               <a:pPr/>
-              <a:t>5/21/2021</a:t>
+              <a:t>5/22/2021</a:t>
             </a:fld>
             <a:endParaRPr lang="en-US" dirty="0"/>
           </a:p>
@@ -9873,7 +9873,7 @@
             <a:fld id="{4EC743F4-8769-40B4-85DF-6CB8DE9F66AA}" type="datetimeFigureOut">
               <a:rPr lang="en-US" smtClean="0"/>
               <a:pPr/>
-              <a:t>5/21/2021</a:t>
+              <a:t>5/22/2021</a:t>
             </a:fld>
             <a:endParaRPr lang="en-US" dirty="0"/>
           </a:p>
@@ -10001,7 +10001,7 @@
             <a:fld id="{4EC743F4-8769-40B4-85DF-6CB8DE9F66AA}" type="datetimeFigureOut">
               <a:rPr lang="en-US" smtClean="0"/>
               <a:pPr/>
-              <a:t>5/21/2021</a:t>
+              <a:t>5/22/2021</a:t>
             </a:fld>
             <a:endParaRPr lang="en-US" dirty="0"/>
           </a:p>
@@ -10098,7 +10098,7 @@
             <a:fld id="{4EC743F4-8769-40B4-85DF-6CB8DE9F66AA}" type="datetimeFigureOut">
               <a:rPr lang="en-US" smtClean="0"/>
               <a:pPr/>
-              <a:t>5/21/2021</a:t>
+              <a:t>5/22/2021</a:t>
             </a:fld>
             <a:endParaRPr lang="en-US" dirty="0"/>
           </a:p>
@@ -11071,7 +11071,7 @@
             <a:fld id="{4EC743F4-8769-40B4-85DF-6CB8DE9F66AA}" type="datetimeFigureOut">
               <a:rPr lang="en-US" smtClean="0"/>
               <a:pPr/>
-              <a:t>5/21/2021</a:t>
+              <a:t>5/22/2021</a:t>
             </a:fld>
             <a:endParaRPr lang="en-US" dirty="0"/>
           </a:p>
@@ -12068,7 +12068,7 @@
             <a:fld id="{4EC743F4-8769-40B4-85DF-6CB8DE9F66AA}" type="datetimeFigureOut">
               <a:rPr lang="en-US" smtClean="0"/>
               <a:pPr/>
-              <a:t>5/21/2021</a:t>
+              <a:t>5/22/2021</a:t>
             </a:fld>
             <a:endParaRPr lang="en-US" dirty="0"/>
           </a:p>
@@ -12954,7 +12954,7 @@
             <a:fld id="{4EC743F4-8769-40B4-85DF-6CB8DE9F66AA}" type="datetimeFigureOut">
               <a:rPr lang="en-US" smtClean="0"/>
               <a:pPr/>
-              <a:t>5/21/2021</a:t>
+              <a:t>5/22/2021</a:t>
             </a:fld>
             <a:endParaRPr lang="en-US" dirty="0"/>
           </a:p>
@@ -13590,29 +13590,7 @@
                 <a:ea typeface="+mj-ea"/>
                 <a:cs typeface="+mj-cs"/>
               </a:rPr>
-              <a:t>“</a:t>
-            </a:r>
-            <a:r>
-              <a:rPr lang="en-US" sz="3200" kern="1200" cap="none" spc="0" baseline="0" dirty="0" err="1">
-                <a:solidFill>
-                  <a:schemeClr val="tx1"/>
-                </a:solidFill>
-                <a:latin typeface="+mj-lt"/>
-                <a:ea typeface="+mj-ea"/>
-                <a:cs typeface="+mj-cs"/>
-              </a:rPr>
-              <a:t>TakeAway</a:t>
-            </a:r>
-            <a:r>
-              <a:rPr lang="en-US" sz="3200" kern="1200" cap="none" spc="0" baseline="0" dirty="0">
-                <a:solidFill>
-                  <a:schemeClr val="tx1"/>
-                </a:solidFill>
-                <a:latin typeface="+mj-lt"/>
-                <a:ea typeface="+mj-ea"/>
-                <a:cs typeface="+mj-cs"/>
-              </a:rPr>
-              <a:t>”</a:t>
+              <a:t>“Take-away”</a:t>
             </a:r>
           </a:p>
         </p:txBody>
@@ -13876,10 +13854,90 @@
         </p:nvSpPr>
         <p:spPr/>
         <p:txBody>
-          <a:bodyPr/>
+          <a:bodyPr>
+            <a:normAutofit fontScale="85000" lnSpcReduction="20000"/>
+          </a:bodyPr>
           <a:lstStyle/>
           <a:p>
-            <a:endParaRPr lang="fr-BE"/>
+            <a:r>
+              <a:rPr lang="fr-BE" dirty="0"/>
+              <a:t>Simon</a:t>
+            </a:r>
+          </a:p>
+          <a:p>
+            <a:endParaRPr lang="fr-BE" dirty="0"/>
+          </a:p>
+          <a:p>
+            <a:endParaRPr lang="fr-BE" dirty="0"/>
+          </a:p>
+          <a:p>
+            <a:pPr marL="0" indent="0">
+              <a:buNone/>
+            </a:pPr>
+            <a:endParaRPr lang="fr-BE" dirty="0"/>
+          </a:p>
+          <a:p>
+            <a:pPr marL="0" indent="0">
+              <a:buNone/>
+            </a:pPr>
+            <a:endParaRPr lang="fr-BE" dirty="0"/>
+          </a:p>
+          <a:p>
+            <a:r>
+              <a:rPr lang="fr-BE" dirty="0"/>
+              <a:t>Amandine</a:t>
+            </a:r>
+          </a:p>
+          <a:p>
+            <a:pPr lvl="1"/>
+            <a:r>
+              <a:rPr lang="en-US" dirty="0"/>
+              <a:t>Difficult to grasp the object concepts;</a:t>
+            </a:r>
+            <a:endParaRPr lang="fr-BE" dirty="0"/>
+          </a:p>
+          <a:p>
+            <a:pPr lvl="1"/>
+            <a:r>
+              <a:rPr lang="fr-BE" dirty="0" err="1"/>
+              <a:t>Handles</a:t>
+            </a:r>
+            <a:r>
+              <a:rPr lang="fr-BE" dirty="0"/>
+              <a:t> pressure </a:t>
+            </a:r>
+            <a:r>
+              <a:rPr lang="fr-BE" dirty="0" err="1"/>
+              <a:t>badly</a:t>
+            </a:r>
+            <a:r>
+              <a:rPr lang="fr-BE" dirty="0"/>
+              <a:t>;</a:t>
+            </a:r>
+          </a:p>
+          <a:p>
+            <a:pPr lvl="1"/>
+            <a:r>
+              <a:rPr lang="en-US" dirty="0"/>
+              <a:t>we had a good communication;</a:t>
+            </a:r>
+          </a:p>
+          <a:p>
+            <a:pPr lvl="1"/>
+            <a:r>
+              <a:rPr lang="en-US" dirty="0"/>
+              <a:t>I wanted to pass the project for August =&gt; discouraged</a:t>
+            </a:r>
+            <a:endParaRPr lang="fr-BE" dirty="0"/>
+          </a:p>
+          <a:p>
+            <a:pPr marL="0" indent="0">
+              <a:buNone/>
+            </a:pPr>
+            <a:r>
+              <a:rPr lang="fr-BE" dirty="0"/>
+              <a:t>	</a:t>
+            </a:r>
           </a:p>
         </p:txBody>
       </p:sp>
@@ -13967,7 +14025,74 @@
           <a:bodyPr/>
           <a:lstStyle/>
           <a:p>
-            <a:endParaRPr lang="fr-BE"/>
+            <a:r>
+              <a:rPr lang="en-US" dirty="0"/>
+              <a:t>Create a web platform to enable a take-away system</a:t>
+            </a:r>
+          </a:p>
+          <a:p>
+            <a:pPr lvl="1"/>
+            <a:r>
+              <a:rPr lang="fr-BE" dirty="0" err="1"/>
+              <a:t>Concerns</a:t>
+            </a:r>
+            <a:r>
+              <a:rPr lang="fr-BE" dirty="0"/>
+              <a:t> </a:t>
+            </a:r>
+            <a:r>
+              <a:rPr lang="fr-BE" dirty="0" err="1"/>
+              <a:t>several</a:t>
+            </a:r>
+            <a:r>
+              <a:rPr lang="fr-BE" dirty="0"/>
+              <a:t> restaurants;</a:t>
+            </a:r>
+            <a:endParaRPr lang="en-US" dirty="0"/>
+          </a:p>
+          <a:p>
+            <a:pPr lvl="1"/>
+            <a:r>
+              <a:rPr lang="en-US" dirty="0"/>
+              <a:t>A restaurant owner lists his restaurant menus and dishes;</a:t>
+            </a:r>
+          </a:p>
+          <a:p>
+            <a:pPr lvl="1"/>
+            <a:r>
+              <a:rPr lang="fr-BE" dirty="0"/>
+              <a:t>Home </a:t>
+            </a:r>
+            <a:r>
+              <a:rPr lang="fr-BE" dirty="0" err="1"/>
+              <a:t>delivery</a:t>
+            </a:r>
+            <a:r>
+              <a:rPr lang="fr-BE" dirty="0"/>
+              <a:t> possible;</a:t>
+            </a:r>
+          </a:p>
+          <a:p>
+            <a:pPr lvl="1"/>
+            <a:r>
+              <a:rPr lang="en-US" dirty="0"/>
+              <a:t>The customer can create an account</a:t>
+            </a:r>
+          </a:p>
+          <a:p>
+            <a:pPr lvl="1"/>
+            <a:r>
+              <a:rPr lang="en-US" dirty="0"/>
+              <a:t>The connected customer can order</a:t>
+            </a:r>
+          </a:p>
+          <a:p>
+            <a:pPr lvl="1"/>
+            <a:r>
+              <a:rPr lang="en-US" dirty="0"/>
+              <a:t>A visitor can consult the menus without authenticating himself</a:t>
+            </a:r>
+            <a:endParaRPr lang="fr-BE" dirty="0"/>
           </a:p>
         </p:txBody>
       </p:sp>
@@ -16275,12 +16400,266 @@
             <p:ph idx="1"/>
           </p:nvPr>
         </p:nvSpPr>
-        <p:spPr/>
+        <p:spPr>
+          <a:xfrm>
+            <a:off x="1154954" y="2122237"/>
+            <a:ext cx="8825659" cy="3416300"/>
+          </a:xfrm>
+        </p:spPr>
         <p:txBody>
           <a:bodyPr/>
           <a:lstStyle/>
           <a:p>
-            <a:endParaRPr lang="fr-BE"/>
+            <a:r>
+              <a:rPr lang="en-US" dirty="0"/>
+              <a:t>Interaction diagram. </a:t>
+            </a:r>
+          </a:p>
+          <a:p>
+            <a:pPr lvl="1"/>
+            <a:r>
+              <a:rPr lang="en-US" dirty="0"/>
+              <a:t>Shows the behavior of the system through the interaction between the objects that compose it. </a:t>
+            </a:r>
+          </a:p>
+          <a:p>
+            <a:pPr lvl="1"/>
+            <a:r>
+              <a:rPr lang="en-US" dirty="0"/>
+              <a:t>The objects will create and interact with each other.</a:t>
+            </a:r>
+          </a:p>
+          <a:p>
+            <a:pPr lvl="1"/>
+            <a:r>
+              <a:rPr lang="fr-BE" dirty="0"/>
+              <a:t>Shows the interactions of </a:t>
+            </a:r>
+            <a:r>
+              <a:rPr lang="fr-BE" dirty="0" err="1"/>
+              <a:t>objects</a:t>
+            </a:r>
+            <a:r>
+              <a:rPr lang="fr-BE" dirty="0"/>
+              <a:t> in a use case.</a:t>
+            </a:r>
+          </a:p>
+        </p:txBody>
+      </p:sp>
+      <p:pic>
+        <p:nvPicPr>
+          <p:cNvPr id="4" name="Image 3">
+            <a:extLst>
+              <a:ext uri="{FF2B5EF4-FFF2-40B4-BE49-F238E27FC236}">
+                <a16:creationId xmlns:a16="http://schemas.microsoft.com/office/drawing/2014/main" id="{1E8CFEDD-1F3D-4183-9E69-0A14D5BE52D1}"/>
+              </a:ext>
+            </a:extLst>
+          </p:cNvPr>
+          <p:cNvPicPr/>
+          <p:nvPr/>
+        </p:nvPicPr>
+        <p:blipFill rotWithShape="1">
+          <a:blip r:embed="rId2"/>
+          <a:srcRect t="30364" r="41997" b="11645"/>
+          <a:stretch/>
+        </p:blipFill>
+        <p:spPr bwMode="auto">
+          <a:xfrm>
+            <a:off x="731058" y="5301253"/>
+            <a:ext cx="3338195" cy="1267460"/>
+          </a:xfrm>
+          <a:prstGeom prst="rect">
+            <a:avLst/>
+          </a:prstGeom>
+          <a:ln>
+            <a:noFill/>
+          </a:ln>
+          <a:extLst>
+            <a:ext uri="{53640926-AAD7-44D8-BBD7-CCE9431645EC}">
+              <a14:shadowObscured xmlns:a14="http://schemas.microsoft.com/office/drawing/2010/main"/>
+            </a:ext>
+          </a:extLst>
+        </p:spPr>
+      </p:pic>
+      <p:pic>
+        <p:nvPicPr>
+          <p:cNvPr id="5" name="Image 4">
+            <a:extLst>
+              <a:ext uri="{FF2B5EF4-FFF2-40B4-BE49-F238E27FC236}">
+                <a16:creationId xmlns:a16="http://schemas.microsoft.com/office/drawing/2014/main" id="{56B2083B-AEA0-4C9B-85BA-49C31F8D043B}"/>
+              </a:ext>
+            </a:extLst>
+          </p:cNvPr>
+          <p:cNvPicPr/>
+          <p:nvPr/>
+        </p:nvPicPr>
+        <p:blipFill>
+          <a:blip r:embed="rId3"/>
+          <a:stretch>
+            <a:fillRect/>
+          </a:stretch>
+        </p:blipFill>
+        <p:spPr>
+          <a:xfrm>
+            <a:off x="4646080" y="5154568"/>
+            <a:ext cx="1843405" cy="1414145"/>
+          </a:xfrm>
+          <a:prstGeom prst="rect">
+            <a:avLst/>
+          </a:prstGeom>
+        </p:spPr>
+      </p:pic>
+      <p:pic>
+        <p:nvPicPr>
+          <p:cNvPr id="6" name="Image 5">
+            <a:extLst>
+              <a:ext uri="{FF2B5EF4-FFF2-40B4-BE49-F238E27FC236}">
+                <a16:creationId xmlns:a16="http://schemas.microsoft.com/office/drawing/2014/main" id="{CB8EAEA4-4B48-4385-973A-4C8CD3419C87}"/>
+              </a:ext>
+            </a:extLst>
+          </p:cNvPr>
+          <p:cNvPicPr/>
+          <p:nvPr/>
+        </p:nvPicPr>
+        <p:blipFill>
+          <a:blip r:embed="rId4"/>
+          <a:stretch>
+            <a:fillRect/>
+          </a:stretch>
+        </p:blipFill>
+        <p:spPr>
+          <a:xfrm>
+            <a:off x="7879895" y="5765438"/>
+            <a:ext cx="3346450" cy="803275"/>
+          </a:xfrm>
+          <a:prstGeom prst="rect">
+            <a:avLst/>
+          </a:prstGeom>
+        </p:spPr>
+      </p:pic>
+      <p:sp>
+        <p:nvSpPr>
+          <p:cNvPr id="7" name="ZoneTexte 6">
+            <a:extLst>
+              <a:ext uri="{FF2B5EF4-FFF2-40B4-BE49-F238E27FC236}">
+                <a16:creationId xmlns:a16="http://schemas.microsoft.com/office/drawing/2014/main" id="{1880225F-B49B-4B5F-B5A4-77E41469F1A2}"/>
+              </a:ext>
+            </a:extLst>
+          </p:cNvPr>
+          <p:cNvSpPr txBox="1"/>
+          <p:nvPr/>
+        </p:nvSpPr>
+        <p:spPr>
+          <a:xfrm>
+            <a:off x="1224192" y="4589755"/>
+            <a:ext cx="2351926" cy="369332"/>
+          </a:xfrm>
+          <a:prstGeom prst="rect">
+            <a:avLst/>
+          </a:prstGeom>
+          <a:noFill/>
+        </p:spPr>
+        <p:txBody>
+          <a:bodyPr wrap="none" rtlCol="0">
+            <a:spAutoFit/>
+          </a:bodyPr>
+          <a:lstStyle/>
+          <a:p>
+            <a:r>
+              <a:rPr lang="fr-BE" dirty="0"/>
+              <a:t>Diagram </a:t>
+            </a:r>
+            <a:r>
+              <a:rPr lang="fr-BE" dirty="0" err="1"/>
+              <a:t>sequence</a:t>
+            </a:r>
+            <a:endParaRPr lang="fr-BE" dirty="0"/>
+          </a:p>
+        </p:txBody>
+      </p:sp>
+      <p:sp>
+        <p:nvSpPr>
+          <p:cNvPr id="8" name="ZoneTexte 7">
+            <a:extLst>
+              <a:ext uri="{FF2B5EF4-FFF2-40B4-BE49-F238E27FC236}">
+                <a16:creationId xmlns:a16="http://schemas.microsoft.com/office/drawing/2014/main" id="{328DC3F2-70FE-4A0B-919C-02BDDE0F1295}"/>
+              </a:ext>
+            </a:extLst>
+          </p:cNvPr>
+          <p:cNvSpPr txBox="1"/>
+          <p:nvPr/>
+        </p:nvSpPr>
+        <p:spPr>
+          <a:xfrm>
+            <a:off x="4462310" y="4247472"/>
+            <a:ext cx="1814920" cy="923330"/>
+          </a:xfrm>
+          <a:prstGeom prst="rect">
+            <a:avLst/>
+          </a:prstGeom>
+          <a:noFill/>
+        </p:spPr>
+        <p:txBody>
+          <a:bodyPr wrap="none" rtlCol="0">
+            <a:spAutoFit/>
+          </a:bodyPr>
+          <a:lstStyle/>
+          <a:p>
+            <a:r>
+              <a:rPr lang="fr-BE" dirty="0"/>
+              <a:t>Object </a:t>
+            </a:r>
+            <a:br>
+              <a:rPr lang="fr-BE" dirty="0"/>
+            </a:br>
+            <a:r>
+              <a:rPr lang="fr-BE" dirty="0"/>
+              <a:t>Activation box</a:t>
+            </a:r>
+            <a:br>
+              <a:rPr lang="fr-BE" dirty="0"/>
+            </a:br>
+            <a:r>
+              <a:rPr lang="fr-BE" dirty="0" err="1"/>
+              <a:t>Lifeline</a:t>
+            </a:r>
+            <a:endParaRPr lang="fr-BE" dirty="0"/>
+          </a:p>
+        </p:txBody>
+      </p:sp>
+      <p:sp>
+        <p:nvSpPr>
+          <p:cNvPr id="9" name="ZoneTexte 8">
+            <a:extLst>
+              <a:ext uri="{FF2B5EF4-FFF2-40B4-BE49-F238E27FC236}">
+                <a16:creationId xmlns:a16="http://schemas.microsoft.com/office/drawing/2014/main" id="{5A6D54FC-9BFD-4E14-9477-54DC9E37F46B}"/>
+              </a:ext>
+            </a:extLst>
+          </p:cNvPr>
+          <p:cNvSpPr txBox="1"/>
+          <p:nvPr/>
+        </p:nvSpPr>
+        <p:spPr>
+          <a:xfrm>
+            <a:off x="9055066" y="4524471"/>
+            <a:ext cx="912429" cy="369332"/>
+          </a:xfrm>
+          <a:prstGeom prst="rect">
+            <a:avLst/>
+          </a:prstGeom>
+          <a:noFill/>
+        </p:spPr>
+        <p:txBody>
+          <a:bodyPr wrap="none" rtlCol="0">
+            <a:spAutoFit/>
+          </a:bodyPr>
+          <a:lstStyle/>
+          <a:p>
+            <a:r>
+              <a:rPr lang="fr-BE" dirty="0" err="1"/>
+              <a:t>Dialog</a:t>
+            </a:r>
+            <a:endParaRPr lang="fr-BE" dirty="0"/>
           </a:p>
         </p:txBody>
       </p:sp>
@@ -16396,7 +16775,7 @@
         </p:blipFill>
         <p:spPr>
           <a:xfrm>
-            <a:off x="19239" y="1953087"/>
+            <a:off x="6643456" y="2037425"/>
             <a:ext cx="5548544" cy="4820575"/>
           </a:xfrm>
           <a:prstGeom prst="rect">
@@ -16404,6 +16783,76 @@
           </a:prstGeom>
         </p:spPr>
       </p:pic>
+      <p:sp>
+        <p:nvSpPr>
+          <p:cNvPr id="3" name="ZoneTexte 2">
+            <a:extLst>
+              <a:ext uri="{FF2B5EF4-FFF2-40B4-BE49-F238E27FC236}">
+                <a16:creationId xmlns:a16="http://schemas.microsoft.com/office/drawing/2014/main" id="{C08A9042-9870-40F1-84FE-207E3954811B}"/>
+              </a:ext>
+            </a:extLst>
+          </p:cNvPr>
+          <p:cNvSpPr txBox="1"/>
+          <p:nvPr/>
+        </p:nvSpPr>
+        <p:spPr>
+          <a:xfrm>
+            <a:off x="8282867" y="1757779"/>
+            <a:ext cx="482824" cy="369332"/>
+          </a:xfrm>
+          <a:prstGeom prst="rect">
+            <a:avLst/>
+          </a:prstGeom>
+          <a:noFill/>
+        </p:spPr>
+        <p:txBody>
+          <a:bodyPr wrap="none" rtlCol="0">
+            <a:spAutoFit/>
+          </a:bodyPr>
+          <a:lstStyle/>
+          <a:p>
+            <a:r>
+              <a:rPr lang="fr-BE" dirty="0"/>
+              <a:t>(2)</a:t>
+            </a:r>
+          </a:p>
+        </p:txBody>
+      </p:sp>
+      <p:sp>
+        <p:nvSpPr>
+          <p:cNvPr id="4" name="ZoneTexte 3">
+            <a:extLst>
+              <a:ext uri="{FF2B5EF4-FFF2-40B4-BE49-F238E27FC236}">
+                <a16:creationId xmlns:a16="http://schemas.microsoft.com/office/drawing/2014/main" id="{7A3D59C9-36E8-4C7B-A84E-B2CB6EB8DC6C}"/>
+              </a:ext>
+            </a:extLst>
+          </p:cNvPr>
+          <p:cNvSpPr txBox="1"/>
+          <p:nvPr/>
+        </p:nvSpPr>
+        <p:spPr>
+          <a:xfrm>
+            <a:off x="1899821" y="2127111"/>
+            <a:ext cx="482824" cy="369332"/>
+          </a:xfrm>
+          <a:prstGeom prst="rect">
+            <a:avLst/>
+          </a:prstGeom>
+          <a:noFill/>
+        </p:spPr>
+        <p:txBody>
+          <a:bodyPr wrap="none" rtlCol="0">
+            <a:spAutoFit/>
+          </a:bodyPr>
+          <a:lstStyle/>
+          <a:p>
+            <a:r>
+              <a:rPr lang="fr-BE" dirty="0"/>
+              <a:t>(1)</a:t>
+            </a:r>
+          </a:p>
+        </p:txBody>
+      </p:sp>
     </p:spTree>
     <p:extLst>
       <p:ext uri="{BB962C8B-B14F-4D97-AF65-F5344CB8AC3E}">
